--- a/FinalAssigment-Ministry of social development project/Presentation.pptx
+++ b/FinalAssigment-Ministry of social development project/Presentation.pptx
@@ -5830,16 +5830,7 @@
                 </a:solidFill>
                 <a:hlinkClick r:id="rId5"/>
               </a:rPr>
-              <a:t>https://en.wikipedia.org/wiki/Mockup#:~:</a:t>
-            </a:r>
-            <a:r>
-              <a:rPr lang="en-US" dirty="0" smtClean="0">
-                <a:solidFill>
-                  <a:srgbClr val="FF0000"/>
-                </a:solidFill>
-                <a:hlinkClick r:id="rId5"/>
-              </a:rPr>
-              <a:t>text=In%20manufacturing%20and%20design%2C%20a,enables%20testing%20of%20a%20design</a:t>
+              <a:t>https://en.wikipedia.org/wiki/Mockup#:~:text=In%20manufacturing%20and%20design%2C%20a,enables%20testing%20of%20a%20design</a:t>
             </a:r>
             <a:endParaRPr lang="en-US" dirty="0" smtClean="0">
               <a:solidFill>
@@ -5871,15 +5862,7 @@
                   <a:srgbClr val="92D050"/>
                 </a:solidFill>
               </a:rPr>
-              <a:t>https</a:t>
-            </a:r>
-            <a:r>
-              <a:rPr lang="en-US" dirty="0" smtClean="0">
-                <a:solidFill>
-                  <a:srgbClr val="92D050"/>
-                </a:solidFill>
-              </a:rPr>
-              <a:t>://</a:t>
+              <a:t>https://</a:t>
             </a:r>
             <a:r>
               <a:rPr lang="en-US" dirty="0" err="1" smtClean="0">
@@ -5897,11 +5880,6 @@
               </a:rPr>
               <a:t>/wiki/Prototype#:~:text=A%20prototype%20is%20an%20early,test%20a%20concept%20or%20process.&amp;text=A%20prototype%20is%20generally%20used,rather%20than%20a%20theoretical%20one.</a:t>
             </a:r>
-            <a:endParaRPr lang="en-US" dirty="0" smtClean="0">
-              <a:solidFill>
-                <a:srgbClr val="92D050"/>
-              </a:solidFill>
-            </a:endParaRPr>
           </a:p>
         </p:txBody>
       </p:sp>
@@ -6062,11 +6040,18 @@
           <a:p>
             <a:pPr algn="l"/>
             <a:r>
+              <a:rPr lang="en-US" sz="2600" b="1" dirty="0" err="1" smtClean="0">
+                <a:latin typeface="Times New Roman" pitchFamily="18" charset="0"/>
+                <a:cs typeface="Times New Roman" pitchFamily="18" charset="0"/>
+              </a:rPr>
+              <a:t>Upskilling</a:t>
+            </a:r>
+            <a:r>
               <a:rPr lang="en-US" sz="2600" b="1" dirty="0" smtClean="0">
                 <a:latin typeface="Times New Roman" pitchFamily="18" charset="0"/>
                 <a:cs typeface="Times New Roman" pitchFamily="18" charset="0"/>
               </a:rPr>
-              <a:t>Up-Skilling program ICTC5-Web Development</a:t>
+              <a:t> program ICTC5-Web Development</a:t>
             </a:r>
             <a:endParaRPr lang="en-US" sz="2600" dirty="0" smtClean="0">
               <a:latin typeface="Times New Roman" pitchFamily="18" charset="0"/>
@@ -6823,7 +6808,7 @@
             </a:pPr>
             <a:r>
               <a:rPr lang="en-US" dirty="0" smtClean="0"/>
-              <a:t> Why Ministry of social development ?</a:t>
+              <a:t> Why Ministry of Social Development ?</a:t>
             </a:r>
           </a:p>
           <a:p>
@@ -6843,7 +6828,7 @@
             </a:pPr>
             <a:r>
               <a:rPr lang="en-US" sz="2100" dirty="0" smtClean="0"/>
-              <a:t>Remodeling for Ministry of social development website.</a:t>
+              <a:t>Remodeling for Ministry of Social Development website.</a:t>
             </a:r>
           </a:p>
           <a:p>
@@ -7568,7 +7553,7 @@
         <p:spPr>
           <a:xfrm>
             <a:off x="3797548" y="1428736"/>
-            <a:ext cx="1624227" cy="461665"/>
+            <a:ext cx="1744452" cy="461665"/>
           </a:xfrm>
           <a:prstGeom prst="rect">
             <a:avLst/>
@@ -7580,6 +7565,7 @@
           </a:bodyPr>
           <a:lstStyle/>
           <a:p>
+            <a:pPr algn="l" rtl="0"/>
             <a:r>
               <a:rPr lang="en-US" sz="2400" b="1" dirty="0" smtClean="0">
                 <a:solidFill>
@@ -7588,12 +7574,72 @@
                 <a:latin typeface="Times New Roman" pitchFamily="18" charset="0"/>
                 <a:cs typeface="Times New Roman" pitchFamily="18" charset="0"/>
               </a:rPr>
-              <a:t>Wireframe</a:t>
+              <a:t>Wireframes</a:t>
             </a:r>
             <a:endParaRPr lang="ar-JO" sz="2400" dirty="0">
               <a:latin typeface="Times New Roman" pitchFamily="18" charset="0"/>
               <a:cs typeface="Times New Roman" pitchFamily="18" charset="0"/>
             </a:endParaRPr>
+          </a:p>
+        </p:txBody>
+      </p:sp>
+      <p:sp>
+        <p:nvSpPr>
+          <p:cNvPr id="7" name="TextBox 6"/>
+          <p:cNvSpPr txBox="1"/>
+          <p:nvPr/>
+        </p:nvSpPr>
+        <p:spPr>
+          <a:xfrm>
+            <a:off x="2285984" y="1857364"/>
+            <a:ext cx="500066" cy="369332"/>
+          </a:xfrm>
+          <a:prstGeom prst="rect">
+            <a:avLst/>
+          </a:prstGeom>
+          <a:noFill/>
+        </p:spPr>
+        <p:txBody>
+          <a:bodyPr wrap="square" rtlCol="1">
+            <a:spAutoFit/>
+          </a:bodyPr>
+          <a:lstStyle/>
+          <a:p>
+            <a:r>
+              <a:rPr lang="en-US" dirty="0" smtClean="0"/>
+              <a:t>[1]</a:t>
+            </a:r>
+            <a:endParaRPr lang="ar-JO" dirty="0"/>
+          </a:p>
+        </p:txBody>
+      </p:sp>
+      <p:sp>
+        <p:nvSpPr>
+          <p:cNvPr id="8" name="TextBox 7"/>
+          <p:cNvSpPr txBox="1"/>
+          <p:nvPr/>
+        </p:nvSpPr>
+        <p:spPr>
+          <a:xfrm>
+            <a:off x="6429388" y="1857364"/>
+            <a:ext cx="500066" cy="369332"/>
+          </a:xfrm>
+          <a:prstGeom prst="rect">
+            <a:avLst/>
+          </a:prstGeom>
+          <a:noFill/>
+        </p:spPr>
+        <p:txBody>
+          <a:bodyPr wrap="square" rtlCol="1">
+            <a:spAutoFit/>
+          </a:bodyPr>
+          <a:lstStyle/>
+          <a:p>
+            <a:r>
+              <a:rPr lang="en-US" dirty="0" smtClean="0"/>
+              <a:t>[2]</a:t>
+            </a:r>
+            <a:endParaRPr lang="ar-JO" dirty="0"/>
           </a:p>
         </p:txBody>
       </p:sp>
@@ -7820,7 +7866,7 @@
         <p:spPr>
           <a:xfrm>
             <a:off x="4143372" y="1357298"/>
-            <a:ext cx="1279517" cy="461665"/>
+            <a:ext cx="1399742" cy="461665"/>
           </a:xfrm>
           <a:prstGeom prst="rect">
             <a:avLst/>
@@ -7832,6 +7878,7 @@
           </a:bodyPr>
           <a:lstStyle/>
           <a:p>
+            <a:pPr algn="l" rtl="0"/>
             <a:r>
               <a:rPr lang="en-US" sz="2400" b="1" dirty="0" smtClean="0">
                 <a:solidFill>
@@ -7840,12 +7887,72 @@
                 <a:latin typeface="Times New Roman" pitchFamily="18" charset="0"/>
                 <a:cs typeface="Times New Roman" pitchFamily="18" charset="0"/>
               </a:rPr>
-              <a:t>Mockup</a:t>
+              <a:t>Mockups</a:t>
             </a:r>
             <a:endParaRPr lang="ar-JO" sz="2400" dirty="0">
               <a:latin typeface="Times New Roman" pitchFamily="18" charset="0"/>
               <a:cs typeface="Times New Roman" pitchFamily="18" charset="0"/>
             </a:endParaRPr>
+          </a:p>
+        </p:txBody>
+      </p:sp>
+      <p:sp>
+        <p:nvSpPr>
+          <p:cNvPr id="9" name="TextBox 8"/>
+          <p:cNvSpPr txBox="1"/>
+          <p:nvPr/>
+        </p:nvSpPr>
+        <p:spPr>
+          <a:xfrm>
+            <a:off x="2285984" y="1571612"/>
+            <a:ext cx="500066" cy="369332"/>
+          </a:xfrm>
+          <a:prstGeom prst="rect">
+            <a:avLst/>
+          </a:prstGeom>
+          <a:noFill/>
+        </p:spPr>
+        <p:txBody>
+          <a:bodyPr wrap="square" rtlCol="1">
+            <a:spAutoFit/>
+          </a:bodyPr>
+          <a:lstStyle/>
+          <a:p>
+            <a:r>
+              <a:rPr lang="en-US" dirty="0" smtClean="0"/>
+              <a:t>[1]</a:t>
+            </a:r>
+            <a:endParaRPr lang="ar-JO" dirty="0"/>
+          </a:p>
+        </p:txBody>
+      </p:sp>
+      <p:sp>
+        <p:nvSpPr>
+          <p:cNvPr id="10" name="TextBox 9"/>
+          <p:cNvSpPr txBox="1"/>
+          <p:nvPr/>
+        </p:nvSpPr>
+        <p:spPr>
+          <a:xfrm>
+            <a:off x="6429388" y="1643050"/>
+            <a:ext cx="500066" cy="369332"/>
+          </a:xfrm>
+          <a:prstGeom prst="rect">
+            <a:avLst/>
+          </a:prstGeom>
+          <a:noFill/>
+        </p:spPr>
+        <p:txBody>
+          <a:bodyPr wrap="square" rtlCol="1">
+            <a:spAutoFit/>
+          </a:bodyPr>
+          <a:lstStyle/>
+          <a:p>
+            <a:r>
+              <a:rPr lang="en-US" dirty="0" smtClean="0"/>
+              <a:t>[2]</a:t>
+            </a:r>
+            <a:endParaRPr lang="ar-JO" dirty="0"/>
           </a:p>
         </p:txBody>
       </p:sp>
@@ -8009,8 +8116,8 @@
         </p:nvSpPr>
         <p:spPr>
           <a:xfrm>
-            <a:off x="3714744" y="785794"/>
-            <a:ext cx="1477520" cy="461665"/>
+            <a:off x="3594518" y="785794"/>
+            <a:ext cx="1597746" cy="461665"/>
           </a:xfrm>
           <a:prstGeom prst="rect">
             <a:avLst/>
@@ -8030,12 +8137,72 @@
                 <a:latin typeface="Times New Roman" pitchFamily="18" charset="0"/>
                 <a:cs typeface="Times New Roman" pitchFamily="18" charset="0"/>
               </a:rPr>
-              <a:t>Prototype</a:t>
+              <a:t>Prototypes</a:t>
             </a:r>
             <a:endParaRPr lang="ar-JO" sz="2400" dirty="0">
               <a:latin typeface="Times New Roman" pitchFamily="18" charset="0"/>
               <a:cs typeface="Times New Roman" pitchFamily="18" charset="0"/>
             </a:endParaRPr>
+          </a:p>
+        </p:txBody>
+      </p:sp>
+      <p:sp>
+        <p:nvSpPr>
+          <p:cNvPr id="8" name="TextBox 7"/>
+          <p:cNvSpPr txBox="1"/>
+          <p:nvPr/>
+        </p:nvSpPr>
+        <p:spPr>
+          <a:xfrm>
+            <a:off x="2143108" y="1071546"/>
+            <a:ext cx="500066" cy="369332"/>
+          </a:xfrm>
+          <a:prstGeom prst="rect">
+            <a:avLst/>
+          </a:prstGeom>
+          <a:noFill/>
+        </p:spPr>
+        <p:txBody>
+          <a:bodyPr wrap="square" rtlCol="1">
+            <a:spAutoFit/>
+          </a:bodyPr>
+          <a:lstStyle/>
+          <a:p>
+            <a:r>
+              <a:rPr lang="en-US" dirty="0" smtClean="0"/>
+              <a:t>[1]</a:t>
+            </a:r>
+            <a:endParaRPr lang="ar-JO" dirty="0"/>
+          </a:p>
+        </p:txBody>
+      </p:sp>
+      <p:sp>
+        <p:nvSpPr>
+          <p:cNvPr id="9" name="TextBox 8"/>
+          <p:cNvSpPr txBox="1"/>
+          <p:nvPr/>
+        </p:nvSpPr>
+        <p:spPr>
+          <a:xfrm>
+            <a:off x="5929322" y="1142984"/>
+            <a:ext cx="500066" cy="369332"/>
+          </a:xfrm>
+          <a:prstGeom prst="rect">
+            <a:avLst/>
+          </a:prstGeom>
+          <a:noFill/>
+        </p:spPr>
+        <p:txBody>
+          <a:bodyPr wrap="square" rtlCol="1">
+            <a:spAutoFit/>
+          </a:bodyPr>
+          <a:lstStyle/>
+          <a:p>
+            <a:r>
+              <a:rPr lang="en-US" dirty="0" smtClean="0"/>
+              <a:t>[2]</a:t>
+            </a:r>
+            <a:endParaRPr lang="ar-JO" dirty="0"/>
           </a:p>
         </p:txBody>
       </p:sp>
@@ -8279,6 +8446,66 @@
               <a:t>Fig4_ Prototype: model.</a:t>
             </a:r>
             <a:endParaRPr lang="ar-JO" sz="1200" dirty="0"/>
+          </a:p>
+        </p:txBody>
+      </p:sp>
+      <p:sp>
+        <p:nvSpPr>
+          <p:cNvPr id="15" name="TextBox 14"/>
+          <p:cNvSpPr txBox="1"/>
+          <p:nvPr/>
+        </p:nvSpPr>
+        <p:spPr>
+          <a:xfrm>
+            <a:off x="357158" y="642918"/>
+            <a:ext cx="500066" cy="369332"/>
+          </a:xfrm>
+          <a:prstGeom prst="rect">
+            <a:avLst/>
+          </a:prstGeom>
+          <a:noFill/>
+        </p:spPr>
+        <p:txBody>
+          <a:bodyPr wrap="square" rtlCol="1">
+            <a:spAutoFit/>
+          </a:bodyPr>
+          <a:lstStyle/>
+          <a:p>
+            <a:r>
+              <a:rPr lang="en-US" dirty="0" smtClean="0"/>
+              <a:t>[3]</a:t>
+            </a:r>
+            <a:endParaRPr lang="ar-JO" dirty="0"/>
+          </a:p>
+        </p:txBody>
+      </p:sp>
+      <p:sp>
+        <p:nvSpPr>
+          <p:cNvPr id="16" name="TextBox 15"/>
+          <p:cNvSpPr txBox="1"/>
+          <p:nvPr/>
+        </p:nvSpPr>
+        <p:spPr>
+          <a:xfrm>
+            <a:off x="4357686" y="642918"/>
+            <a:ext cx="500066" cy="369332"/>
+          </a:xfrm>
+          <a:prstGeom prst="rect">
+            <a:avLst/>
+          </a:prstGeom>
+          <a:noFill/>
+        </p:spPr>
+        <p:txBody>
+          <a:bodyPr wrap="square" rtlCol="1">
+            <a:spAutoFit/>
+          </a:bodyPr>
+          <a:lstStyle/>
+          <a:p>
+            <a:r>
+              <a:rPr lang="en-US" dirty="0" smtClean="0"/>
+              <a:t>[4]</a:t>
+            </a:r>
+            <a:endParaRPr lang="ar-JO" dirty="0"/>
           </a:p>
         </p:txBody>
       </p:sp>

--- a/FinalAssigment-Ministry of social development project/Presentation.pptx
+++ b/FinalAssigment-Ministry of social development project/Presentation.pptx
@@ -7117,8 +7117,13 @@
             </a:pPr>
             <a:r>
               <a:rPr lang="en-US" sz="2100" dirty="0" smtClean="0"/>
-              <a:t>Design Wireframe.</a:t>
-            </a:r>
+              <a:t>Design </a:t>
+            </a:r>
+            <a:r>
+              <a:rPr lang="en-US" sz="2100" dirty="0" smtClean="0"/>
+              <a:t>Wireframes.</a:t>
+            </a:r>
+            <a:endParaRPr lang="en-US" sz="2100" dirty="0" smtClean="0"/>
           </a:p>
           <a:p>
             <a:pPr marL="624078" indent="-514350" algn="l" rtl="0">
@@ -7130,8 +7135,13 @@
             </a:pPr>
             <a:r>
               <a:rPr lang="en-US" sz="2100" dirty="0" smtClean="0"/>
-              <a:t>Design Mockup.</a:t>
-            </a:r>
+              <a:t>Design </a:t>
+            </a:r>
+            <a:r>
+              <a:rPr lang="en-US" sz="2100" dirty="0" smtClean="0"/>
+              <a:t>Mockups.</a:t>
+            </a:r>
+            <a:endParaRPr lang="en-US" sz="2100" dirty="0" smtClean="0"/>
           </a:p>
           <a:p>
             <a:pPr marL="624078" indent="-514350" algn="l" rtl="0">
@@ -7193,6 +7203,10 @@
               <a:buFont typeface="+mj-lt"/>
               <a:buAutoNum type="arabicPeriod"/>
             </a:pPr>
+            <a:r>
+              <a:rPr lang="en-US" sz="2100" dirty="0" smtClean="0"/>
+              <a:t>Uploading on GitHub.</a:t>
+            </a:r>
             <a:endParaRPr lang="ar-JO" sz="2100" dirty="0"/>
           </a:p>
         </p:txBody>
